--- a/NOTES.pptx
+++ b/NOTES.pptx
@@ -207,7 +207,7 @@
           <a:p>
             <a:fld id="{2F9BB198-6CEF-4EEE-9B78-37CF3BE83499}" type="datetimeFigureOut">
               <a:rPr lang="zh-CN" altLang="en-US" smtClean="0"/>
-              <a:t>2018/8/4</a:t>
+              <a:t>2018/8/7</a:t>
             </a:fld>
             <a:endParaRPr lang="zh-CN" altLang="en-US"/>
           </a:p>
@@ -796,7 +796,7 @@
           <a:p>
             <a:fld id="{C157333C-1D7D-48FF-AE44-7F532F0AAD53}" type="datetimeFigureOut">
               <a:rPr lang="zh-CN" altLang="en-US" smtClean="0"/>
-              <a:t>2018/8/4</a:t>
+              <a:t>2018/8/7</a:t>
             </a:fld>
             <a:endParaRPr lang="zh-CN" altLang="en-US"/>
           </a:p>
@@ -966,7 +966,7 @@
           <a:p>
             <a:fld id="{C157333C-1D7D-48FF-AE44-7F532F0AAD53}" type="datetimeFigureOut">
               <a:rPr lang="zh-CN" altLang="en-US" smtClean="0"/>
-              <a:t>2018/8/4</a:t>
+              <a:t>2018/8/7</a:t>
             </a:fld>
             <a:endParaRPr lang="zh-CN" altLang="en-US"/>
           </a:p>
@@ -1146,7 +1146,7 @@
           <a:p>
             <a:fld id="{C157333C-1D7D-48FF-AE44-7F532F0AAD53}" type="datetimeFigureOut">
               <a:rPr lang="zh-CN" altLang="en-US" smtClean="0"/>
-              <a:t>2018/8/4</a:t>
+              <a:t>2018/8/7</a:t>
             </a:fld>
             <a:endParaRPr lang="zh-CN" altLang="en-US"/>
           </a:p>
@@ -1316,7 +1316,7 @@
           <a:p>
             <a:fld id="{C157333C-1D7D-48FF-AE44-7F532F0AAD53}" type="datetimeFigureOut">
               <a:rPr lang="zh-CN" altLang="en-US" smtClean="0"/>
-              <a:t>2018/8/4</a:t>
+              <a:t>2018/8/7</a:t>
             </a:fld>
             <a:endParaRPr lang="zh-CN" altLang="en-US"/>
           </a:p>
@@ -1562,7 +1562,7 @@
           <a:p>
             <a:fld id="{C157333C-1D7D-48FF-AE44-7F532F0AAD53}" type="datetimeFigureOut">
               <a:rPr lang="zh-CN" altLang="en-US" smtClean="0"/>
-              <a:t>2018/8/4</a:t>
+              <a:t>2018/8/7</a:t>
             </a:fld>
             <a:endParaRPr lang="zh-CN" altLang="en-US"/>
           </a:p>
@@ -1794,7 +1794,7 @@
           <a:p>
             <a:fld id="{C157333C-1D7D-48FF-AE44-7F532F0AAD53}" type="datetimeFigureOut">
               <a:rPr lang="zh-CN" altLang="en-US" smtClean="0"/>
-              <a:t>2018/8/4</a:t>
+              <a:t>2018/8/7</a:t>
             </a:fld>
             <a:endParaRPr lang="zh-CN" altLang="en-US"/>
           </a:p>
@@ -2161,7 +2161,7 @@
           <a:p>
             <a:fld id="{C157333C-1D7D-48FF-AE44-7F532F0AAD53}" type="datetimeFigureOut">
               <a:rPr lang="zh-CN" altLang="en-US" smtClean="0"/>
-              <a:t>2018/8/4</a:t>
+              <a:t>2018/8/7</a:t>
             </a:fld>
             <a:endParaRPr lang="zh-CN" altLang="en-US"/>
           </a:p>
@@ -2279,7 +2279,7 @@
           <a:p>
             <a:fld id="{C157333C-1D7D-48FF-AE44-7F532F0AAD53}" type="datetimeFigureOut">
               <a:rPr lang="zh-CN" altLang="en-US" smtClean="0"/>
-              <a:t>2018/8/4</a:t>
+              <a:t>2018/8/7</a:t>
             </a:fld>
             <a:endParaRPr lang="zh-CN" altLang="en-US"/>
           </a:p>
@@ -2374,7 +2374,7 @@
           <a:p>
             <a:fld id="{C157333C-1D7D-48FF-AE44-7F532F0AAD53}" type="datetimeFigureOut">
               <a:rPr lang="zh-CN" altLang="en-US" smtClean="0"/>
-              <a:t>2018/8/4</a:t>
+              <a:t>2018/8/7</a:t>
             </a:fld>
             <a:endParaRPr lang="zh-CN" altLang="en-US"/>
           </a:p>
@@ -2651,7 +2651,7 @@
           <a:p>
             <a:fld id="{C157333C-1D7D-48FF-AE44-7F532F0AAD53}" type="datetimeFigureOut">
               <a:rPr lang="zh-CN" altLang="en-US" smtClean="0"/>
-              <a:t>2018/8/4</a:t>
+              <a:t>2018/8/7</a:t>
             </a:fld>
             <a:endParaRPr lang="zh-CN" altLang="en-US"/>
           </a:p>
@@ -2904,7 +2904,7 @@
           <a:p>
             <a:fld id="{C157333C-1D7D-48FF-AE44-7F532F0AAD53}" type="datetimeFigureOut">
               <a:rPr lang="zh-CN" altLang="en-US" smtClean="0"/>
-              <a:t>2018/8/4</a:t>
+              <a:t>2018/8/7</a:t>
             </a:fld>
             <a:endParaRPr lang="zh-CN" altLang="en-US"/>
           </a:p>
@@ -3117,7 +3117,7 @@
           <a:p>
             <a:fld id="{C157333C-1D7D-48FF-AE44-7F532F0AAD53}" type="datetimeFigureOut">
               <a:rPr lang="zh-CN" altLang="en-US" smtClean="0"/>
-              <a:t>2018/8/4</a:t>
+              <a:t>2018/8/7</a:t>
             </a:fld>
             <a:endParaRPr lang="zh-CN" altLang="en-US"/>
           </a:p>
@@ -4784,6 +4784,54 @@
           <a:chExt cx="0" cy="0"/>
         </a:xfrm>
       </p:grpSpPr>
+      <p:pic>
+        <p:nvPicPr>
+          <p:cNvPr id="2" name="图片 1"/>
+          <p:cNvPicPr>
+            <a:picLocks noChangeAspect="1"/>
+          </p:cNvPicPr>
+          <p:nvPr/>
+        </p:nvPicPr>
+        <p:blipFill>
+          <a:blip r:embed="rId2"/>
+          <a:stretch>
+            <a:fillRect/>
+          </a:stretch>
+        </p:blipFill>
+        <p:spPr>
+          <a:xfrm>
+            <a:off x="508152" y="388661"/>
+            <a:ext cx="5866143" cy="5555764"/>
+          </a:xfrm>
+          <a:prstGeom prst="rect">
+            <a:avLst/>
+          </a:prstGeom>
+        </p:spPr>
+      </p:pic>
+      <p:pic>
+        <p:nvPicPr>
+          <p:cNvPr id="3" name="图片 2"/>
+          <p:cNvPicPr>
+            <a:picLocks noChangeAspect="1"/>
+          </p:cNvPicPr>
+          <p:nvPr/>
+        </p:nvPicPr>
+        <p:blipFill>
+          <a:blip r:embed="rId3"/>
+          <a:stretch>
+            <a:fillRect/>
+          </a:stretch>
+        </p:blipFill>
+        <p:spPr>
+          <a:xfrm>
+            <a:off x="6553381" y="1290877"/>
+            <a:ext cx="5545854" cy="4653548"/>
+          </a:xfrm>
+          <a:prstGeom prst="rect">
+            <a:avLst/>
+          </a:prstGeom>
+        </p:spPr>
+      </p:pic>
     </p:spTree>
     <p:extLst>
       <p:ext uri="{BB962C8B-B14F-4D97-AF65-F5344CB8AC3E}">
@@ -4814,6 +4862,80 @@
           <a:chExt cx="0" cy="0"/>
         </a:xfrm>
       </p:grpSpPr>
+      <p:sp>
+        <p:nvSpPr>
+          <p:cNvPr id="2" name="矩形 1"/>
+          <p:cNvSpPr/>
+          <p:nvPr/>
+        </p:nvSpPr>
+        <p:spPr>
+          <a:xfrm>
+            <a:off x="960467" y="992840"/>
+            <a:ext cx="3345788" cy="369332"/>
+          </a:xfrm>
+          <a:prstGeom prst="rect">
+            <a:avLst/>
+          </a:prstGeom>
+        </p:spPr>
+        <p:txBody>
+          <a:bodyPr wrap="none">
+            <a:spAutoFit/>
+          </a:bodyPr>
+          <a:lstStyle/>
+          <a:p>
+            <a:r>
+              <a:rPr lang="zh-CN" altLang="en-US" dirty="0"/>
+              <a:t>global_</a:t>
+            </a:r>
+            <a:r>
+              <a:rPr lang="zh-CN" altLang="en-US" dirty="0" smtClean="0"/>
+              <a:t>sum</a:t>
+            </a:r>
+            <a:r>
+              <a:rPr lang="en-US" altLang="zh-CN" dirty="0" smtClean="0"/>
+              <a:t>56</a:t>
+            </a:r>
+            <a:r>
+              <a:rPr lang="zh-CN" altLang="en-US" smtClean="0"/>
+              <a:t>个线程重复</a:t>
+            </a:r>
+            <a:r>
+              <a:rPr lang="zh-CN" altLang="en-US" dirty="0" smtClean="0"/>
+              <a:t>计算了</a:t>
+            </a:r>
+            <a:endParaRPr lang="zh-CN" altLang="en-US" dirty="0"/>
+          </a:p>
+        </p:txBody>
+      </p:sp>
+      <p:sp>
+        <p:nvSpPr>
+          <p:cNvPr id="3" name="矩形 2"/>
+          <p:cNvSpPr/>
+          <p:nvPr/>
+        </p:nvSpPr>
+        <p:spPr>
+          <a:xfrm>
+            <a:off x="293358" y="524137"/>
+            <a:ext cx="1107996" cy="369332"/>
+          </a:xfrm>
+          <a:prstGeom prst="rect">
+            <a:avLst/>
+          </a:prstGeom>
+        </p:spPr>
+        <p:txBody>
+          <a:bodyPr wrap="none">
+            <a:spAutoFit/>
+          </a:bodyPr>
+          <a:lstStyle/>
+          <a:p>
+            <a:r>
+              <a:rPr lang="zh-CN" altLang="en-US" dirty="0" smtClean="0"/>
+              <a:t>优化点：</a:t>
+            </a:r>
+            <a:endParaRPr lang="zh-CN" altLang="en-US" dirty="0"/>
+          </a:p>
+        </p:txBody>
+      </p:sp>
     </p:spTree>
     <p:extLst>
       <p:ext uri="{BB962C8B-B14F-4D97-AF65-F5344CB8AC3E}">
